--- a/Weboldal_a_weboldal_fejlesztesrol.pptx
+++ b/Weboldal_a_weboldal_fejlesztesrol.pptx
@@ -523,7 +523,7 @@
           <a:p>
             <a:fld id="{1D8BD707-D9CF-40AE-B4C6-C98DA3205C09}" type="datetimeFigureOut">
               <a:rPr lang="en-US"/>
-              <a:t>5/8/2022</a:t>
+              <a:t>5/9/2022</a:t>
             </a:fld>
             <a:endParaRPr lang="en-US"/>
           </a:p>
@@ -698,7 +698,7 @@
           <a:p>
             <a:fld id="{1D8BD707-D9CF-40AE-B4C6-C98DA3205C09}" type="datetimeFigureOut">
               <a:rPr lang="en-US"/>
-              <a:t>5/8/2022</a:t>
+              <a:t>5/9/2022</a:t>
             </a:fld>
             <a:endParaRPr lang="en-US"/>
           </a:p>
@@ -912,7 +912,7 @@
           <a:p>
             <a:fld id="{1D8BD707-D9CF-40AE-B4C6-C98DA3205C09}" type="datetimeFigureOut">
               <a:rPr lang="en-US"/>
-              <a:t>5/8/2022</a:t>
+              <a:t>5/9/2022</a:t>
             </a:fld>
             <a:endParaRPr lang="en-US"/>
           </a:p>
@@ -1060,7 +1060,7 @@
           <a:p>
             <a:fld id="{1D8BD707-D9CF-40AE-B4C6-C98DA3205C09}" type="datetimeFigureOut">
               <a:rPr lang="en-US"/>
-              <a:t>5/8/2022</a:t>
+              <a:t>5/9/2022</a:t>
             </a:fld>
             <a:endParaRPr lang="en-US"/>
           </a:p>
@@ -1179,7 +1179,7 @@
           <a:p>
             <a:fld id="{1D8BD707-D9CF-40AE-B4C6-C98DA3205C09}" type="datetimeFigureOut">
               <a:rPr lang="en-US"/>
-              <a:t>5/8/2022</a:t>
+              <a:t>5/9/2022</a:t>
             </a:fld>
             <a:endParaRPr lang="en-US"/>
           </a:p>
@@ -1600,7 +1600,7 @@
           <a:p>
             <a:fld id="{1D8BD707-D9CF-40AE-B4C6-C98DA3205C09}" type="datetimeFigureOut">
               <a:rPr lang="en-US"/>
-              <a:t>5/8/2022</a:t>
+              <a:t>5/9/2022</a:t>
             </a:fld>
             <a:endParaRPr lang="en-US"/>
           </a:p>
@@ -3754,7 +3754,7 @@
         <p:spPr>
           <a:xfrm>
             <a:off x="4194809" y="890841"/>
-            <a:ext cx="3709670" cy="1397635"/>
+            <a:ext cx="3709670" cy="1659429"/>
           </a:xfrm>
           <a:prstGeom prst="rect">
             <a:avLst/>
@@ -3910,7 +3910,7 @@
               </a:rPr>
               <a:t>t</a:t>
             </a:r>
-            <a:endParaRPr sz="1800">
+            <a:endParaRPr sz="1800" dirty="0">
               <a:latin typeface="Bahnschrift SemiBold"/>
               <a:cs typeface="Bahnschrift SemiBold"/>
             </a:endParaRPr>
@@ -3977,7 +3977,7 @@
               </a:rPr>
               <a:t>munkáinkról</a:t>
             </a:r>
-            <a:endParaRPr sz="1800">
+            <a:endParaRPr sz="1800" dirty="0">
               <a:latin typeface="Bahnschrift SemiBold"/>
               <a:cs typeface="Bahnschrift SemiBold"/>
             </a:endParaRPr>
@@ -4237,7 +4237,7 @@
               </a:rPr>
               <a:t>t</a:t>
             </a:r>
-            <a:endParaRPr sz="1800">
+            <a:endParaRPr sz="1800" dirty="0">
               <a:latin typeface="Bahnschrift SemiBold"/>
               <a:cs typeface="Bahnschrift SemiBold"/>
             </a:endParaRPr>
@@ -4437,7 +4437,7 @@
               </a:rPr>
               <a:t>t</a:t>
             </a:r>
-            <a:endParaRPr sz="1800">
+            <a:endParaRPr sz="1800" dirty="0">
               <a:latin typeface="Bahnschrift SemiBold"/>
               <a:cs typeface="Bahnschrift SemiBold"/>
             </a:endParaRPr>
@@ -4458,17 +4458,17 @@
               </a:tabLst>
             </a:pPr>
             <a:r>
-              <a:rPr sz="1800" b="1" spc="-95" dirty="0">
+              <a:rPr sz="1800" b="1" spc="-95" dirty="0" smtClean="0">
                 <a:solidFill>
                   <a:srgbClr val="FFFFFF"/>
                 </a:solidFill>
                 <a:latin typeface="Bahnschrift SemiBold"/>
                 <a:cs typeface="Bahnschrift SemiBold"/>
               </a:rPr>
-              <a:t>Akapcsolatfelvétel</a:t>
-            </a:r>
-            <a:r>
-              <a:rPr sz="1800" b="1" spc="-80" dirty="0">
+              <a:t>A</a:t>
+            </a:r>
+            <a:r>
+              <a:rPr lang="hu-HU" sz="1800" b="1" spc="-95" dirty="0" smtClean="0">
                 <a:solidFill>
                   <a:srgbClr val="FFFFFF"/>
                 </a:solidFill>
@@ -4478,17 +4478,17 @@
               <a:t> </a:t>
             </a:r>
             <a:r>
-              <a:rPr sz="1800" b="1" spc="-110" dirty="0">
+              <a:rPr sz="1800" b="1" spc="-95" dirty="0" err="1" smtClean="0">
                 <a:solidFill>
                   <a:srgbClr val="FFFFFF"/>
                 </a:solidFill>
                 <a:latin typeface="Bahnschrift SemiBold"/>
                 <a:cs typeface="Bahnschrift SemiBold"/>
               </a:rPr>
-              <a:t>lehetséges</a:t>
-            </a:r>
-            <a:r>
-              <a:rPr sz="1800" b="1" spc="-120" dirty="0">
+              <a:t>kapcsolatfelvétel</a:t>
+            </a:r>
+            <a:r>
+              <a:rPr sz="1800" b="1" spc="-80" dirty="0" smtClean="0">
                 <a:solidFill>
                   <a:srgbClr val="FFFFFF"/>
                 </a:solidFill>
@@ -4505,9 +4505,29 @@
                 <a:latin typeface="Bahnschrift SemiBold"/>
                 <a:cs typeface="Bahnschrift SemiBold"/>
               </a:rPr>
+              <a:t>lehetséges</a:t>
+            </a:r>
+            <a:r>
+              <a:rPr sz="1800" b="1" spc="-120" dirty="0">
+                <a:solidFill>
+                  <a:srgbClr val="FFFFFF"/>
+                </a:solidFill>
+                <a:latin typeface="Bahnschrift SemiBold"/>
+                <a:cs typeface="Bahnschrift SemiBold"/>
+              </a:rPr>
+              <a:t> </a:t>
+            </a:r>
+            <a:r>
+              <a:rPr sz="1800" b="1" spc="-110" dirty="0">
+                <a:solidFill>
+                  <a:srgbClr val="FFFFFF"/>
+                </a:solidFill>
+                <a:latin typeface="Bahnschrift SemiBold"/>
+                <a:cs typeface="Bahnschrift SemiBold"/>
+              </a:rPr>
               <a:t>módjait</a:t>
             </a:r>
-            <a:endParaRPr sz="1800">
+            <a:endParaRPr sz="1800" dirty="0">
               <a:latin typeface="Bahnschrift SemiBold"/>
               <a:cs typeface="Bahnschrift SemiBold"/>
             </a:endParaRPr>
